--- a/notes/model.pptx
+++ b/notes/model.pptx
@@ -9,6 +9,7 @@
     <p:sldId id="258" r:id="rId3"/>
     <p:sldId id="260" r:id="rId4"/>
     <p:sldId id="259" r:id="rId5"/>
+    <p:sldId id="261" r:id="rId6"/>
   </p:sldIdLst>
   <p:sldSz cx="12192000" cy="6858000"/>
   <p:notesSz cx="6858000" cy="9144000"/>
@@ -262,7 +263,7 @@
           <a:p>
             <a:fld id="{76117517-41C4-49E7-AFEA-A61E49CC89AD}" type="datetimeFigureOut">
               <a:rPr lang="zh-CN" altLang="en-US" smtClean="0"/>
-              <a:t>2019/11/18</a:t>
+              <a:t>2019/11/25</a:t>
             </a:fld>
             <a:endParaRPr lang="zh-CN" altLang="en-US"/>
           </a:p>
@@ -460,7 +461,7 @@
           <a:p>
             <a:fld id="{76117517-41C4-49E7-AFEA-A61E49CC89AD}" type="datetimeFigureOut">
               <a:rPr lang="zh-CN" altLang="en-US" smtClean="0"/>
-              <a:t>2019/11/18</a:t>
+              <a:t>2019/11/25</a:t>
             </a:fld>
             <a:endParaRPr lang="zh-CN" altLang="en-US"/>
           </a:p>
@@ -668,7 +669,7 @@
           <a:p>
             <a:fld id="{76117517-41C4-49E7-AFEA-A61E49CC89AD}" type="datetimeFigureOut">
               <a:rPr lang="zh-CN" altLang="en-US" smtClean="0"/>
-              <a:t>2019/11/18</a:t>
+              <a:t>2019/11/25</a:t>
             </a:fld>
             <a:endParaRPr lang="zh-CN" altLang="en-US"/>
           </a:p>
@@ -866,7 +867,7 @@
           <a:p>
             <a:fld id="{76117517-41C4-49E7-AFEA-A61E49CC89AD}" type="datetimeFigureOut">
               <a:rPr lang="zh-CN" altLang="en-US" smtClean="0"/>
-              <a:t>2019/11/18</a:t>
+              <a:t>2019/11/25</a:t>
             </a:fld>
             <a:endParaRPr lang="zh-CN" altLang="en-US"/>
           </a:p>
@@ -1141,7 +1142,7 @@
           <a:p>
             <a:fld id="{76117517-41C4-49E7-AFEA-A61E49CC89AD}" type="datetimeFigureOut">
               <a:rPr lang="zh-CN" altLang="en-US" smtClean="0"/>
-              <a:t>2019/11/18</a:t>
+              <a:t>2019/11/25</a:t>
             </a:fld>
             <a:endParaRPr lang="zh-CN" altLang="en-US"/>
           </a:p>
@@ -1406,7 +1407,7 @@
           <a:p>
             <a:fld id="{76117517-41C4-49E7-AFEA-A61E49CC89AD}" type="datetimeFigureOut">
               <a:rPr lang="zh-CN" altLang="en-US" smtClean="0"/>
-              <a:t>2019/11/18</a:t>
+              <a:t>2019/11/25</a:t>
             </a:fld>
             <a:endParaRPr lang="zh-CN" altLang="en-US"/>
           </a:p>
@@ -1818,7 +1819,7 @@
           <a:p>
             <a:fld id="{76117517-41C4-49E7-AFEA-A61E49CC89AD}" type="datetimeFigureOut">
               <a:rPr lang="zh-CN" altLang="en-US" smtClean="0"/>
-              <a:t>2019/11/18</a:t>
+              <a:t>2019/11/25</a:t>
             </a:fld>
             <a:endParaRPr lang="zh-CN" altLang="en-US"/>
           </a:p>
@@ -1959,7 +1960,7 @@
           <a:p>
             <a:fld id="{76117517-41C4-49E7-AFEA-A61E49CC89AD}" type="datetimeFigureOut">
               <a:rPr lang="zh-CN" altLang="en-US" smtClean="0"/>
-              <a:t>2019/11/18</a:t>
+              <a:t>2019/11/25</a:t>
             </a:fld>
             <a:endParaRPr lang="zh-CN" altLang="en-US"/>
           </a:p>
@@ -2072,7 +2073,7 @@
           <a:p>
             <a:fld id="{76117517-41C4-49E7-AFEA-A61E49CC89AD}" type="datetimeFigureOut">
               <a:rPr lang="zh-CN" altLang="en-US" smtClean="0"/>
-              <a:t>2019/11/18</a:t>
+              <a:t>2019/11/25</a:t>
             </a:fld>
             <a:endParaRPr lang="zh-CN" altLang="en-US"/>
           </a:p>
@@ -2383,7 +2384,7 @@
           <a:p>
             <a:fld id="{76117517-41C4-49E7-AFEA-A61E49CC89AD}" type="datetimeFigureOut">
               <a:rPr lang="zh-CN" altLang="en-US" smtClean="0"/>
-              <a:t>2019/11/18</a:t>
+              <a:t>2019/11/25</a:t>
             </a:fld>
             <a:endParaRPr lang="zh-CN" altLang="en-US"/>
           </a:p>
@@ -2671,7 +2672,7 @@
           <a:p>
             <a:fld id="{76117517-41C4-49E7-AFEA-A61E49CC89AD}" type="datetimeFigureOut">
               <a:rPr lang="zh-CN" altLang="en-US" smtClean="0"/>
-              <a:t>2019/11/18</a:t>
+              <a:t>2019/11/25</a:t>
             </a:fld>
             <a:endParaRPr lang="zh-CN" altLang="en-US"/>
           </a:p>
@@ -2912,7 +2913,7 @@
           <a:p>
             <a:fld id="{76117517-41C4-49E7-AFEA-A61E49CC89AD}" type="datetimeFigureOut">
               <a:rPr lang="zh-CN" altLang="en-US" smtClean="0"/>
-              <a:t>2019/11/18</a:t>
+              <a:t>2019/11/25</a:t>
             </a:fld>
             <a:endParaRPr lang="zh-CN" altLang="en-US"/>
           </a:p>
@@ -6321,7 +6322,7 @@
         <p:spPr>
           <a:xfrm flipH="1">
             <a:off x="3090256" y="2287724"/>
-            <a:ext cx="702128" cy="1"/>
+            <a:ext cx="690252" cy="1"/>
           </a:xfrm>
           <a:prstGeom prst="straightConnector1">
             <a:avLst/>
@@ -6359,7 +6360,7 @@
         </p:nvGrpSpPr>
         <p:grpSpPr>
           <a:xfrm>
-            <a:off x="3792384" y="1896853"/>
+            <a:off x="3780508" y="1896853"/>
             <a:ext cx="1630504" cy="781742"/>
             <a:chOff x="3220802" y="2647258"/>
             <a:chExt cx="1630504" cy="781742"/>
@@ -6645,14 +6646,12 @@
           </p:cNvPr>
           <p:cNvCxnSpPr>
             <a:cxnSpLocks/>
-            <a:stCxn id="25" idx="0"/>
-            <a:endCxn id="5" idx="4"/>
           </p:cNvCxnSpPr>
           <p:nvPr/>
         </p:nvCxnSpPr>
         <p:spPr>
           <a:xfrm flipV="1">
-            <a:off x="4607636" y="4621111"/>
+            <a:off x="4595760" y="4681999"/>
             <a:ext cx="0" cy="564937"/>
           </a:xfrm>
           <a:prstGeom prst="straightConnector1">
@@ -6799,638 +6798,6 @@
           </a:p>
         </p:txBody>
       </p:sp>
-      <p:sp>
-        <p:nvSpPr>
-          <p:cNvPr id="58" name="矩形 57">
-            <a:extLst>
-              <a:ext uri="{FF2B5EF4-FFF2-40B4-BE49-F238E27FC236}">
-                <a16:creationId xmlns:a16="http://schemas.microsoft.com/office/drawing/2014/main" id="{A14940F4-57FB-4AB4-948C-8CDE3382D0B0}"/>
-              </a:ext>
-            </a:extLst>
-          </p:cNvPr>
-          <p:cNvSpPr/>
-          <p:nvPr/>
-        </p:nvSpPr>
-        <p:spPr>
-          <a:xfrm>
-            <a:off x="6805671" y="4983078"/>
-            <a:ext cx="2037332" cy="436903"/>
-          </a:xfrm>
-          <a:prstGeom prst="rect">
-            <a:avLst/>
-          </a:prstGeom>
-          <a:solidFill>
-            <a:schemeClr val="accent6">
-              <a:lumMod val="60000"/>
-              <a:lumOff val="40000"/>
-            </a:schemeClr>
-          </a:solidFill>
-          <a:ln>
-            <a:noFill/>
-          </a:ln>
-        </p:spPr>
-        <p:style>
-          <a:lnRef idx="2">
-            <a:schemeClr val="accent1">
-              <a:shade val="50000"/>
-            </a:schemeClr>
-          </a:lnRef>
-          <a:fillRef idx="1">
-            <a:schemeClr val="accent1"/>
-          </a:fillRef>
-          <a:effectRef idx="0">
-            <a:schemeClr val="accent1"/>
-          </a:effectRef>
-          <a:fontRef idx="minor">
-            <a:schemeClr val="lt1"/>
-          </a:fontRef>
-        </p:style>
-        <p:txBody>
-          <a:bodyPr rtlCol="0" anchor="ctr"/>
-          <a:lstStyle/>
-          <a:p>
-            <a:pPr algn="ctr"/>
-            <a:r>
-              <a:rPr lang="en-US" altLang="zh-CN" dirty="0"/>
-              <a:t>Symbolic Music</a:t>
-            </a:r>
-            <a:endParaRPr lang="zh-CN" altLang="en-US" dirty="0"/>
-          </a:p>
-        </p:txBody>
-      </p:sp>
-      <p:sp>
-        <p:nvSpPr>
-          <p:cNvPr id="59" name="椭圆 58">
-            <a:extLst>
-              <a:ext uri="{FF2B5EF4-FFF2-40B4-BE49-F238E27FC236}">
-                <a16:creationId xmlns:a16="http://schemas.microsoft.com/office/drawing/2014/main" id="{D8A95BD2-F92E-4CF7-B422-9E28618EED22}"/>
-              </a:ext>
-            </a:extLst>
-          </p:cNvPr>
-          <p:cNvSpPr/>
-          <p:nvPr/>
-        </p:nvSpPr>
-        <p:spPr>
-          <a:xfrm>
-            <a:off x="10125472" y="3690475"/>
-            <a:ext cx="657900" cy="657900"/>
-          </a:xfrm>
-          <a:prstGeom prst="ellipse">
-            <a:avLst/>
-          </a:prstGeom>
-        </p:spPr>
-        <p:style>
-          <a:lnRef idx="2">
-            <a:schemeClr val="accent1">
-              <a:shade val="50000"/>
-            </a:schemeClr>
-          </a:lnRef>
-          <a:fillRef idx="1">
-            <a:schemeClr val="accent1"/>
-          </a:fillRef>
-          <a:effectRef idx="0">
-            <a:schemeClr val="accent1"/>
-          </a:effectRef>
-          <a:fontRef idx="minor">
-            <a:schemeClr val="lt1"/>
-          </a:fontRef>
-        </p:style>
-        <p:txBody>
-          <a:bodyPr rtlCol="0" anchor="ctr"/>
-          <a:lstStyle/>
-          <a:p>
-            <a:pPr algn="ctr"/>
-            <a:r>
-              <a:rPr lang="en-US" altLang="zh-CN" dirty="0" err="1"/>
-              <a:t>V</a:t>
-            </a:r>
-            <a:r>
-              <a:rPr lang="en-US" altLang="zh-CN" baseline="30000" dirty="0" err="1"/>
-              <a:t>e</a:t>
-            </a:r>
-            <a:endParaRPr lang="zh-CN" altLang="en-US" baseline="30000" dirty="0"/>
-          </a:p>
-        </p:txBody>
-      </p:sp>
-      <p:cxnSp>
-        <p:nvCxnSpPr>
-          <p:cNvPr id="60" name="直接箭头连接符 59">
-            <a:extLst>
-              <a:ext uri="{FF2B5EF4-FFF2-40B4-BE49-F238E27FC236}">
-                <a16:creationId xmlns:a16="http://schemas.microsoft.com/office/drawing/2014/main" id="{DD70A182-EED5-4517-848E-190BE0C14107}"/>
-              </a:ext>
-            </a:extLst>
-          </p:cNvPr>
-          <p:cNvCxnSpPr>
-            <a:cxnSpLocks/>
-            <a:stCxn id="67" idx="2"/>
-            <a:endCxn id="58" idx="0"/>
-          </p:cNvCxnSpPr>
-          <p:nvPr/>
-        </p:nvCxnSpPr>
-        <p:spPr>
-          <a:xfrm flipH="1">
-            <a:off x="7824337" y="4307642"/>
-            <a:ext cx="612" cy="666558"/>
-          </a:xfrm>
-          <a:prstGeom prst="straightConnector1">
-            <a:avLst/>
-          </a:prstGeom>
-          <a:ln>
-            <a:tailEnd type="triangle"/>
-          </a:ln>
-        </p:spPr>
-        <p:style>
-          <a:lnRef idx="1">
-            <a:schemeClr val="accent1"/>
-          </a:lnRef>
-          <a:fillRef idx="0">
-            <a:schemeClr val="accent1"/>
-          </a:fillRef>
-          <a:effectRef idx="0">
-            <a:schemeClr val="accent1"/>
-          </a:effectRef>
-          <a:fontRef idx="minor">
-            <a:schemeClr val="tx1"/>
-          </a:fontRef>
-        </p:style>
-      </p:cxnSp>
-      <p:cxnSp>
-        <p:nvCxnSpPr>
-          <p:cNvPr id="61" name="直接箭头连接符 60">
-            <a:extLst>
-              <a:ext uri="{FF2B5EF4-FFF2-40B4-BE49-F238E27FC236}">
-                <a16:creationId xmlns:a16="http://schemas.microsoft.com/office/drawing/2014/main" id="{2E372E32-0F20-4732-9BAE-5885A2768949}"/>
-              </a:ext>
-            </a:extLst>
-          </p:cNvPr>
-          <p:cNvCxnSpPr>
-            <a:stCxn id="59" idx="2"/>
-            <a:endCxn id="67" idx="3"/>
-          </p:cNvCxnSpPr>
-          <p:nvPr/>
-        </p:nvCxnSpPr>
-        <p:spPr>
-          <a:xfrm flipH="1">
-            <a:off x="8945317" y="4019425"/>
-            <a:ext cx="1180155" cy="0"/>
-          </a:xfrm>
-          <a:prstGeom prst="straightConnector1">
-            <a:avLst/>
-          </a:prstGeom>
-          <a:ln>
-            <a:tailEnd type="triangle"/>
-          </a:ln>
-        </p:spPr>
-        <p:style>
-          <a:lnRef idx="1">
-            <a:schemeClr val="accent1"/>
-          </a:lnRef>
-          <a:fillRef idx="0">
-            <a:schemeClr val="accent1"/>
-          </a:fillRef>
-          <a:effectRef idx="0">
-            <a:schemeClr val="accent1"/>
-          </a:effectRef>
-          <a:fontRef idx="minor">
-            <a:schemeClr val="tx1"/>
-          </a:fontRef>
-        </p:style>
-      </p:cxnSp>
-      <p:cxnSp>
-        <p:nvCxnSpPr>
-          <p:cNvPr id="64" name="直接箭头连接符 63">
-            <a:extLst>
-              <a:ext uri="{FF2B5EF4-FFF2-40B4-BE49-F238E27FC236}">
-                <a16:creationId xmlns:a16="http://schemas.microsoft.com/office/drawing/2014/main" id="{ABC65D8B-ED59-439E-8643-81A029A79892}"/>
-              </a:ext>
-            </a:extLst>
-          </p:cNvPr>
-          <p:cNvCxnSpPr>
-            <a:cxnSpLocks/>
-            <a:stCxn id="71" idx="2"/>
-            <a:endCxn id="67" idx="0"/>
-          </p:cNvCxnSpPr>
-          <p:nvPr/>
-        </p:nvCxnSpPr>
-        <p:spPr>
-          <a:xfrm>
-            <a:off x="7824337" y="2896318"/>
-            <a:ext cx="612" cy="834890"/>
-          </a:xfrm>
-          <a:prstGeom prst="straightConnector1">
-            <a:avLst/>
-          </a:prstGeom>
-          <a:ln>
-            <a:tailEnd type="triangle"/>
-          </a:ln>
-        </p:spPr>
-        <p:style>
-          <a:lnRef idx="1">
-            <a:schemeClr val="accent1"/>
-          </a:lnRef>
-          <a:fillRef idx="0">
-            <a:schemeClr val="accent1"/>
-          </a:fillRef>
-          <a:effectRef idx="0">
-            <a:schemeClr val="accent1"/>
-          </a:effectRef>
-          <a:fontRef idx="minor">
-            <a:schemeClr val="tx1"/>
-          </a:fontRef>
-        </p:style>
-      </p:cxnSp>
-      <p:sp>
-        <p:nvSpPr>
-          <p:cNvPr id="67" name="矩形 66">
-            <a:extLst>
-              <a:ext uri="{FF2B5EF4-FFF2-40B4-BE49-F238E27FC236}">
-                <a16:creationId xmlns:a16="http://schemas.microsoft.com/office/drawing/2014/main" id="{CD1A311A-01A4-44F3-BB5B-B654E759D37A}"/>
-              </a:ext>
-            </a:extLst>
-          </p:cNvPr>
-          <p:cNvSpPr/>
-          <p:nvPr/>
-        </p:nvSpPr>
-        <p:spPr>
-          <a:xfrm>
-            <a:off x="6704581" y="3731208"/>
-            <a:ext cx="2240736" cy="576434"/>
-          </a:xfrm>
-          <a:prstGeom prst="rect">
-            <a:avLst/>
-          </a:prstGeom>
-          <a:solidFill>
-            <a:schemeClr val="tx1">
-              <a:lumMod val="50000"/>
-              <a:lumOff val="50000"/>
-            </a:schemeClr>
-          </a:solidFill>
-          <a:ln>
-            <a:noFill/>
-          </a:ln>
-        </p:spPr>
-        <p:style>
-          <a:lnRef idx="2">
-            <a:schemeClr val="accent1">
-              <a:shade val="50000"/>
-            </a:schemeClr>
-          </a:lnRef>
-          <a:fillRef idx="1">
-            <a:schemeClr val="accent1"/>
-          </a:fillRef>
-          <a:effectRef idx="0">
-            <a:schemeClr val="accent1"/>
-          </a:effectRef>
-          <a:fontRef idx="minor">
-            <a:schemeClr val="lt1"/>
-          </a:fontRef>
-        </p:style>
-        <p:txBody>
-          <a:bodyPr rtlCol="0" anchor="ctr"/>
-          <a:lstStyle/>
-          <a:p>
-            <a:pPr algn="ctr"/>
-            <a:r>
-              <a:rPr lang="en-US" altLang="zh-CN" dirty="0"/>
-              <a:t>Music Decoder</a:t>
-            </a:r>
-            <a:endParaRPr lang="zh-CN" altLang="en-US" dirty="0"/>
-          </a:p>
-        </p:txBody>
-      </p:sp>
-      <p:grpSp>
-        <p:nvGrpSpPr>
-          <p:cNvPr id="69" name="组合 68">
-            <a:extLst>
-              <a:ext uri="{FF2B5EF4-FFF2-40B4-BE49-F238E27FC236}">
-                <a16:creationId xmlns:a16="http://schemas.microsoft.com/office/drawing/2014/main" id="{0F15DF54-C69B-4EAB-81A0-5D0CF5C815FF}"/>
-              </a:ext>
-            </a:extLst>
-          </p:cNvPr>
-          <p:cNvGrpSpPr/>
-          <p:nvPr/>
-        </p:nvGrpSpPr>
-        <p:grpSpPr>
-          <a:xfrm>
-            <a:off x="7009085" y="2114576"/>
-            <a:ext cx="1630504" cy="781742"/>
-            <a:chOff x="3220802" y="2647258"/>
-            <a:chExt cx="1630504" cy="781742"/>
-          </a:xfrm>
-        </p:grpSpPr>
-        <p:sp>
-          <p:nvSpPr>
-            <p:cNvPr id="70" name="椭圆 69">
-              <a:extLst>
-                <a:ext uri="{FF2B5EF4-FFF2-40B4-BE49-F238E27FC236}">
-                  <a16:creationId xmlns:a16="http://schemas.microsoft.com/office/drawing/2014/main" id="{79541444-4EEB-48FE-A93E-966A3A957618}"/>
-                </a:ext>
-              </a:extLst>
-            </p:cNvPr>
-            <p:cNvSpPr/>
-            <p:nvPr/>
-          </p:nvSpPr>
-          <p:spPr>
-            <a:xfrm>
-              <a:off x="4100408" y="2707015"/>
-              <a:ext cx="657899" cy="657900"/>
-            </a:xfrm>
-            <a:prstGeom prst="ellipse">
-              <a:avLst/>
-            </a:prstGeom>
-            <a:solidFill>
-              <a:schemeClr val="accent6">
-                <a:lumMod val="60000"/>
-                <a:lumOff val="40000"/>
-              </a:schemeClr>
-            </a:solidFill>
-          </p:spPr>
-          <p:style>
-            <a:lnRef idx="2">
-              <a:schemeClr val="accent1">
-                <a:shade val="50000"/>
-              </a:schemeClr>
-            </a:lnRef>
-            <a:fillRef idx="1">
-              <a:schemeClr val="accent1"/>
-            </a:fillRef>
-            <a:effectRef idx="0">
-              <a:schemeClr val="accent1"/>
-            </a:effectRef>
-            <a:fontRef idx="minor">
-              <a:schemeClr val="lt1"/>
-            </a:fontRef>
-          </p:style>
-          <p:txBody>
-            <a:bodyPr rtlCol="0" anchor="ctr"/>
-            <a:lstStyle/>
-            <a:p>
-              <a:pPr algn="ctr"/>
-              <a:r>
-                <a:rPr lang="en-US" altLang="zh-CN" dirty="0"/>
-                <a:t>Z</a:t>
-              </a:r>
-              <a:r>
-                <a:rPr lang="en-US" altLang="zh-CN" baseline="30000" dirty="0"/>
-                <a:t>i</a:t>
-              </a:r>
-              <a:endParaRPr lang="zh-CN" altLang="en-US" baseline="30000" dirty="0"/>
-            </a:p>
-          </p:txBody>
-        </p:sp>
-        <p:sp>
-          <p:nvSpPr>
-            <p:cNvPr id="71" name="矩形: 圆角 70">
-              <a:extLst>
-                <a:ext uri="{FF2B5EF4-FFF2-40B4-BE49-F238E27FC236}">
-                  <a16:creationId xmlns:a16="http://schemas.microsoft.com/office/drawing/2014/main" id="{CBEA674C-9829-4952-937A-B37442AC8D2D}"/>
-                </a:ext>
-              </a:extLst>
-            </p:cNvPr>
-            <p:cNvSpPr/>
-            <p:nvPr/>
-          </p:nvSpPr>
-          <p:spPr>
-            <a:xfrm>
-              <a:off x="3220802" y="2647258"/>
-              <a:ext cx="1630504" cy="781742"/>
-            </a:xfrm>
-            <a:prstGeom prst="roundRect">
-              <a:avLst/>
-            </a:prstGeom>
-            <a:noFill/>
-            <a:ln>
-              <a:solidFill>
-                <a:schemeClr val="tx1"/>
-              </a:solidFill>
-            </a:ln>
-          </p:spPr>
-          <p:style>
-            <a:lnRef idx="2">
-              <a:schemeClr val="accent1">
-                <a:shade val="50000"/>
-              </a:schemeClr>
-            </a:lnRef>
-            <a:fillRef idx="1">
-              <a:schemeClr val="accent1"/>
-            </a:fillRef>
-            <a:effectRef idx="0">
-              <a:schemeClr val="accent1"/>
-            </a:effectRef>
-            <a:fontRef idx="minor">
-              <a:schemeClr val="lt1"/>
-            </a:fontRef>
-          </p:style>
-          <p:txBody>
-            <a:bodyPr rtlCol="0" anchor="ctr"/>
-            <a:lstStyle/>
-            <a:p>
-              <a:pPr algn="ctr"/>
-              <a:endParaRPr lang="zh-CN" altLang="en-US"/>
-            </a:p>
-          </p:txBody>
-        </p:sp>
-        <p:sp>
-          <p:nvSpPr>
-            <p:cNvPr id="72" name="椭圆 71">
-              <a:extLst>
-                <a:ext uri="{FF2B5EF4-FFF2-40B4-BE49-F238E27FC236}">
-                  <a16:creationId xmlns:a16="http://schemas.microsoft.com/office/drawing/2014/main" id="{AB9D3312-F80E-4F79-B32A-CDE67B980BF8}"/>
-                </a:ext>
-              </a:extLst>
-            </p:cNvPr>
-            <p:cNvSpPr/>
-            <p:nvPr/>
-          </p:nvSpPr>
-          <p:spPr>
-            <a:xfrm>
-              <a:off x="3299478" y="2707015"/>
-              <a:ext cx="657900" cy="657900"/>
-            </a:xfrm>
-            <a:prstGeom prst="ellipse">
-              <a:avLst/>
-            </a:prstGeom>
-          </p:spPr>
-          <p:style>
-            <a:lnRef idx="2">
-              <a:schemeClr val="accent1">
-                <a:shade val="50000"/>
-              </a:schemeClr>
-            </a:lnRef>
-            <a:fillRef idx="1">
-              <a:schemeClr val="accent1"/>
-            </a:fillRef>
-            <a:effectRef idx="0">
-              <a:schemeClr val="accent1"/>
-            </a:effectRef>
-            <a:fontRef idx="minor">
-              <a:schemeClr val="lt1"/>
-            </a:fontRef>
-          </p:style>
-          <p:txBody>
-            <a:bodyPr rtlCol="0" anchor="ctr"/>
-            <a:lstStyle/>
-            <a:p>
-              <a:pPr algn="ctr"/>
-              <a:r>
-                <a:rPr lang="en-US" altLang="zh-CN" dirty="0"/>
-                <a:t>V</a:t>
-              </a:r>
-              <a:r>
-                <a:rPr lang="en-US" altLang="zh-CN" baseline="30000" dirty="0"/>
-                <a:t>i</a:t>
-              </a:r>
-              <a:endParaRPr lang="zh-CN" altLang="en-US" baseline="30000" dirty="0"/>
-            </a:p>
-          </p:txBody>
-        </p:sp>
-      </p:grpSp>
-      <p:sp>
-        <p:nvSpPr>
-          <p:cNvPr id="73" name="矩形 72">
-            <a:extLst>
-              <a:ext uri="{FF2B5EF4-FFF2-40B4-BE49-F238E27FC236}">
-                <a16:creationId xmlns:a16="http://schemas.microsoft.com/office/drawing/2014/main" id="{6B3600E8-A9E6-4D35-9AB8-5F969699E26A}"/>
-              </a:ext>
-            </a:extLst>
-          </p:cNvPr>
-          <p:cNvSpPr/>
-          <p:nvPr/>
-        </p:nvSpPr>
-        <p:spPr>
-          <a:xfrm>
-            <a:off x="9334054" y="4913312"/>
-            <a:ext cx="2240736" cy="576434"/>
-          </a:xfrm>
-          <a:prstGeom prst="rect">
-            <a:avLst/>
-          </a:prstGeom>
-          <a:solidFill>
-            <a:schemeClr val="tx1">
-              <a:lumMod val="50000"/>
-              <a:lumOff val="50000"/>
-            </a:schemeClr>
-          </a:solidFill>
-          <a:ln>
-            <a:noFill/>
-          </a:ln>
-        </p:spPr>
-        <p:style>
-          <a:lnRef idx="2">
-            <a:schemeClr val="accent1">
-              <a:shade val="50000"/>
-            </a:schemeClr>
-          </a:lnRef>
-          <a:fillRef idx="1">
-            <a:schemeClr val="accent1"/>
-          </a:fillRef>
-          <a:effectRef idx="0">
-            <a:schemeClr val="accent1"/>
-          </a:effectRef>
-          <a:fontRef idx="minor">
-            <a:schemeClr val="lt1"/>
-          </a:fontRef>
-        </p:style>
-        <p:txBody>
-          <a:bodyPr rtlCol="0" anchor="ctr"/>
-          <a:lstStyle/>
-          <a:p>
-            <a:pPr algn="ctr"/>
-            <a:r>
-              <a:rPr lang="en-US" altLang="zh-CN" dirty="0"/>
-              <a:t>Classifier</a:t>
-            </a:r>
-            <a:endParaRPr lang="zh-CN" altLang="en-US" dirty="0"/>
-          </a:p>
-        </p:txBody>
-      </p:sp>
-      <p:cxnSp>
-        <p:nvCxnSpPr>
-          <p:cNvPr id="74" name="直接箭头连接符 73">
-            <a:extLst>
-              <a:ext uri="{FF2B5EF4-FFF2-40B4-BE49-F238E27FC236}">
-                <a16:creationId xmlns:a16="http://schemas.microsoft.com/office/drawing/2014/main" id="{3758444A-C154-4D04-973A-86D1EDD9624D}"/>
-              </a:ext>
-            </a:extLst>
-          </p:cNvPr>
-          <p:cNvCxnSpPr>
-            <a:cxnSpLocks/>
-            <a:stCxn id="58" idx="3"/>
-            <a:endCxn id="73" idx="1"/>
-          </p:cNvCxnSpPr>
-          <p:nvPr/>
-        </p:nvCxnSpPr>
-        <p:spPr>
-          <a:xfrm flipV="1">
-            <a:off x="8843003" y="5201529"/>
-            <a:ext cx="491051" cy="1"/>
-          </a:xfrm>
-          <a:prstGeom prst="straightConnector1">
-            <a:avLst/>
-          </a:prstGeom>
-          <a:ln>
-            <a:tailEnd type="triangle"/>
-          </a:ln>
-        </p:spPr>
-        <p:style>
-          <a:lnRef idx="1">
-            <a:schemeClr val="accent1"/>
-          </a:lnRef>
-          <a:fillRef idx="0">
-            <a:schemeClr val="accent1"/>
-          </a:fillRef>
-          <a:effectRef idx="0">
-            <a:schemeClr val="accent1"/>
-          </a:effectRef>
-          <a:fontRef idx="minor">
-            <a:schemeClr val="tx1"/>
-          </a:fontRef>
-        </p:style>
-      </p:cxnSp>
-      <p:cxnSp>
-        <p:nvCxnSpPr>
-          <p:cNvPr id="75" name="直接箭头连接符 74">
-            <a:extLst>
-              <a:ext uri="{FF2B5EF4-FFF2-40B4-BE49-F238E27FC236}">
-                <a16:creationId xmlns:a16="http://schemas.microsoft.com/office/drawing/2014/main" id="{B246763F-3CD2-4BAC-9B4A-2F77BEAB8C82}"/>
-              </a:ext>
-            </a:extLst>
-          </p:cNvPr>
-          <p:cNvCxnSpPr>
-            <a:cxnSpLocks/>
-            <a:stCxn id="73" idx="0"/>
-            <a:endCxn id="59" idx="4"/>
-          </p:cNvCxnSpPr>
-          <p:nvPr/>
-        </p:nvCxnSpPr>
-        <p:spPr>
-          <a:xfrm flipV="1">
-            <a:off x="10454422" y="4348375"/>
-            <a:ext cx="0" cy="564937"/>
-          </a:xfrm>
-          <a:prstGeom prst="straightConnector1">
-            <a:avLst/>
-          </a:prstGeom>
-          <a:ln>
-            <a:tailEnd type="triangle"/>
-          </a:ln>
-        </p:spPr>
-        <p:style>
-          <a:lnRef idx="1">
-            <a:schemeClr val="accent1"/>
-          </a:lnRef>
-          <a:fillRef idx="0">
-            <a:schemeClr val="accent1"/>
-          </a:fillRef>
-          <a:effectRef idx="0">
-            <a:schemeClr val="accent1"/>
-          </a:effectRef>
-          <a:fontRef idx="minor">
-            <a:schemeClr val="tx1"/>
-          </a:fontRef>
-        </p:style>
-      </p:cxnSp>
     </p:spTree>
     <p:extLst>
       <p:ext uri="{BB962C8B-B14F-4D97-AF65-F5344CB8AC3E}">
@@ -7541,6 +6908,122 @@
     <p:extLst>
       <p:ext uri="{BB962C8B-B14F-4D97-AF65-F5344CB8AC3E}">
         <p14:creationId xmlns:p14="http://schemas.microsoft.com/office/powerpoint/2010/main" val="3449483467"/>
+      </p:ext>
+    </p:extLst>
+  </p:cSld>
+  <p:clrMapOvr>
+    <a:masterClrMapping/>
+  </p:clrMapOvr>
+</p:sld>
+</file>
+
+<file path=ppt/slides/slide5.xml><?xml version="1.0" encoding="utf-8"?>
+<p:sld xmlns:a="http://schemas.openxmlformats.org/drawingml/2006/main" xmlns:r="http://schemas.openxmlformats.org/officeDocument/2006/relationships" xmlns:p="http://schemas.openxmlformats.org/presentationml/2006/main">
+  <p:cSld>
+    <p:spTree>
+      <p:nvGrpSpPr>
+        <p:cNvPr id="1" name=""/>
+        <p:cNvGrpSpPr/>
+        <p:nvPr/>
+      </p:nvGrpSpPr>
+      <p:grpSpPr>
+        <a:xfrm>
+          <a:off x="0" y="0"/>
+          <a:ext cx="0" cy="0"/>
+          <a:chOff x="0" y="0"/>
+          <a:chExt cx="0" cy="0"/>
+        </a:xfrm>
+      </p:grpSpPr>
+      <p:sp>
+        <p:nvSpPr>
+          <p:cNvPr id="2" name="标题 1">
+            <a:extLst>
+              <a:ext uri="{FF2B5EF4-FFF2-40B4-BE49-F238E27FC236}">
+                <a16:creationId xmlns:a16="http://schemas.microsoft.com/office/drawing/2014/main" id="{6980EC6D-D201-4B49-BDEF-C7341CEEACEB}"/>
+              </a:ext>
+            </a:extLst>
+          </p:cNvPr>
+          <p:cNvSpPr>
+            <a:spLocks noGrp="1"/>
+          </p:cNvSpPr>
+          <p:nvPr>
+            <p:ph type="title"/>
+          </p:nvPr>
+        </p:nvSpPr>
+        <p:spPr/>
+        <p:txBody>
+          <a:bodyPr/>
+          <a:lstStyle/>
+          <a:p>
+            <a:endParaRPr lang="zh-CN" altLang="en-US" dirty="0"/>
+          </a:p>
+        </p:txBody>
+      </p:sp>
+      <p:sp>
+        <p:nvSpPr>
+          <p:cNvPr id="3" name="内容占位符 2">
+            <a:extLst>
+              <a:ext uri="{FF2B5EF4-FFF2-40B4-BE49-F238E27FC236}">
+                <a16:creationId xmlns:a16="http://schemas.microsoft.com/office/drawing/2014/main" id="{6A2889CF-384C-4277-AEFF-C9653EEF32B2}"/>
+              </a:ext>
+            </a:extLst>
+          </p:cNvPr>
+          <p:cNvSpPr>
+            <a:spLocks noGrp="1"/>
+          </p:cNvSpPr>
+          <p:nvPr>
+            <p:ph idx="1"/>
+          </p:nvPr>
+        </p:nvSpPr>
+        <p:spPr/>
+        <p:txBody>
+          <a:bodyPr/>
+          <a:lstStyle/>
+          <a:p>
+            <a:r>
+              <a:rPr lang="en-US" altLang="zh-CN" dirty="0"/>
+              <a:t>MIDI</a:t>
+            </a:r>
+            <a:r>
+              <a:rPr lang="zh-CN" altLang="en-US" dirty="0"/>
+              <a:t>音频与真实音频分布不同，考虑</a:t>
+            </a:r>
+            <a:r>
+              <a:rPr lang="en-US" altLang="zh-CN" dirty="0"/>
+              <a:t>multi-track</a:t>
+            </a:r>
+          </a:p>
+          <a:p>
+            <a:r>
+              <a:rPr lang="zh-CN" altLang="en-US" dirty="0"/>
+              <a:t>网络的意义在于在</a:t>
+            </a:r>
+            <a:r>
+              <a:rPr lang="zh-CN" altLang="en-US" b="1" dirty="0"/>
+              <a:t>已有作曲规则</a:t>
+            </a:r>
+            <a:r>
+              <a:rPr lang="zh-CN" altLang="en-US" dirty="0"/>
+              <a:t>基础上，使得作曲符合视频</a:t>
+            </a:r>
+            <a:endParaRPr lang="en-US" altLang="zh-CN" dirty="0"/>
+          </a:p>
+          <a:p>
+            <a:r>
+              <a:rPr lang="zh-CN" altLang="en-US" dirty="0"/>
+              <a:t>明确一点，作曲符合视频最关键的表现是</a:t>
+            </a:r>
+            <a:r>
+              <a:rPr lang="en-US" altLang="zh-CN" dirty="0"/>
+              <a:t>rhythm – motion/shot</a:t>
+            </a:r>
+          </a:p>
+        </p:txBody>
+      </p:sp>
+    </p:spTree>
+    <p:extLst>
+      <p:ext uri="{BB962C8B-B14F-4D97-AF65-F5344CB8AC3E}">
+        <p14:creationId xmlns:p14="http://schemas.microsoft.com/office/powerpoint/2010/main" val="1269806068"/>
       </p:ext>
     </p:extLst>
   </p:cSld>
